--- a/cisco2.pptx
+++ b/cisco2.pptx
@@ -23,6 +23,8 @@
     <p:sldId id="277" r:id="rId17"/>
     <p:sldId id="278" r:id="rId18"/>
     <p:sldId id="279" r:id="rId19"/>
+    <p:sldId id="280" r:id="rId20"/>
+    <p:sldId id="281" r:id="rId21"/>
   </p:sldIdLst>
   <p:sldSz cx="12192000" cy="6858000"/>
   <p:notesSz cx="6858000" cy="9144000"/>
@@ -292,7 +294,7 @@
           <a:p>
             <a:fld id="{C58F7DD5-14C8-4383-9BDE-184FCAB00349}" type="datetimeFigureOut">
               <a:rPr lang="hu-HU" smtClean="0"/>
-              <a:t>2022. 10. 28.</a:t>
+              <a:t>2022. 11. 22.</a:t>
             </a:fld>
             <a:endParaRPr lang="hu-HU"/>
           </a:p>
@@ -462,7 +464,7 @@
           <a:p>
             <a:fld id="{C58F7DD5-14C8-4383-9BDE-184FCAB00349}" type="datetimeFigureOut">
               <a:rPr lang="hu-HU" smtClean="0"/>
-              <a:t>2022. 10. 28.</a:t>
+              <a:t>2022. 11. 22.</a:t>
             </a:fld>
             <a:endParaRPr lang="hu-HU"/>
           </a:p>
@@ -642,7 +644,7 @@
           <a:p>
             <a:fld id="{C58F7DD5-14C8-4383-9BDE-184FCAB00349}" type="datetimeFigureOut">
               <a:rPr lang="hu-HU" smtClean="0"/>
-              <a:t>2022. 10. 28.</a:t>
+              <a:t>2022. 11. 22.</a:t>
             </a:fld>
             <a:endParaRPr lang="hu-HU"/>
           </a:p>
@@ -812,7 +814,7 @@
           <a:p>
             <a:fld id="{C58F7DD5-14C8-4383-9BDE-184FCAB00349}" type="datetimeFigureOut">
               <a:rPr lang="hu-HU" smtClean="0"/>
-              <a:t>2022. 10. 28.</a:t>
+              <a:t>2022. 11. 22.</a:t>
             </a:fld>
             <a:endParaRPr lang="hu-HU"/>
           </a:p>
@@ -1080,7 +1082,7 @@
           <a:p>
             <a:fld id="{C58F7DD5-14C8-4383-9BDE-184FCAB00349}" type="datetimeFigureOut">
               <a:rPr lang="hu-HU" smtClean="0"/>
-              <a:t>2022. 10. 28.</a:t>
+              <a:t>2022. 11. 22.</a:t>
             </a:fld>
             <a:endParaRPr lang="hu-HU"/>
           </a:p>
@@ -1312,7 +1314,7 @@
           <a:p>
             <a:fld id="{C58F7DD5-14C8-4383-9BDE-184FCAB00349}" type="datetimeFigureOut">
               <a:rPr lang="hu-HU" smtClean="0"/>
-              <a:t>2022. 10. 28.</a:t>
+              <a:t>2022. 11. 22.</a:t>
             </a:fld>
             <a:endParaRPr lang="hu-HU"/>
           </a:p>
@@ -1671,7 +1673,7 @@
           <a:p>
             <a:fld id="{C58F7DD5-14C8-4383-9BDE-184FCAB00349}" type="datetimeFigureOut">
               <a:rPr lang="hu-HU" smtClean="0"/>
-              <a:t>2022. 10. 28.</a:t>
+              <a:t>2022. 11. 22.</a:t>
             </a:fld>
             <a:endParaRPr lang="hu-HU"/>
           </a:p>
@@ -1812,7 +1814,7 @@
           <a:p>
             <a:fld id="{C58F7DD5-14C8-4383-9BDE-184FCAB00349}" type="datetimeFigureOut">
               <a:rPr lang="hu-HU" smtClean="0"/>
-              <a:t>2022. 10. 28.</a:t>
+              <a:t>2022. 11. 22.</a:t>
             </a:fld>
             <a:endParaRPr lang="hu-HU"/>
           </a:p>
@@ -1907,7 +1909,7 @@
           <a:p>
             <a:fld id="{C58F7DD5-14C8-4383-9BDE-184FCAB00349}" type="datetimeFigureOut">
               <a:rPr lang="hu-HU" smtClean="0"/>
-              <a:t>2022. 10. 28.</a:t>
+              <a:t>2022. 11. 22.</a:t>
             </a:fld>
             <a:endParaRPr lang="hu-HU"/>
           </a:p>
@@ -2264,7 +2266,7 @@
           <a:p>
             <a:fld id="{C58F7DD5-14C8-4383-9BDE-184FCAB00349}" type="datetimeFigureOut">
               <a:rPr lang="hu-HU" smtClean="0"/>
-              <a:t>2022. 10. 28.</a:t>
+              <a:t>2022. 11. 22.</a:t>
             </a:fld>
             <a:endParaRPr lang="hu-HU"/>
           </a:p>
@@ -2621,7 +2623,7 @@
           <a:p>
             <a:fld id="{C58F7DD5-14C8-4383-9BDE-184FCAB00349}" type="datetimeFigureOut">
               <a:rPr lang="hu-HU" smtClean="0"/>
-              <a:t>2022. 10. 28.</a:t>
+              <a:t>2022. 11. 22.</a:t>
             </a:fld>
             <a:endParaRPr lang="hu-HU"/>
           </a:p>
@@ -2862,7 +2864,7 @@
           <a:p>
             <a:fld id="{C58F7DD5-14C8-4383-9BDE-184FCAB00349}" type="datetimeFigureOut">
               <a:rPr lang="hu-HU" smtClean="0"/>
-              <a:t>2022. 10. 28.</a:t>
+              <a:t>2022. 11. 22.</a:t>
             </a:fld>
             <a:endParaRPr lang="hu-HU"/>
           </a:p>
@@ -4394,95 +4396,153 @@
           <a:lstStyle/>
           <a:p>
             <a:r>
-              <a:rPr lang="hu-HU" dirty="0"/>
+              <a:rPr lang="hu-HU" dirty="0">
+                <a:latin typeface="Times New Roman" panose="02020603050405020304" pitchFamily="18" charset="0"/>
+                <a:cs typeface="Times New Roman" panose="02020603050405020304" pitchFamily="18" charset="0"/>
+              </a:rPr>
               <a:t>A Cisco </a:t>
             </a:r>
             <a:r>
-              <a:rPr lang="hu-HU" dirty="0" err="1"/>
+              <a:rPr lang="hu-HU" dirty="0" err="1">
+                <a:latin typeface="Times New Roman" panose="02020603050405020304" pitchFamily="18" charset="0"/>
+                <a:cs typeface="Times New Roman" panose="02020603050405020304" pitchFamily="18" charset="0"/>
+              </a:rPr>
               <a:t>Certified</a:t>
             </a:r>
             <a:r>
-              <a:rPr lang="hu-HU" dirty="0"/>
+              <a:rPr lang="hu-HU" dirty="0">
+                <a:latin typeface="Times New Roman" panose="02020603050405020304" pitchFamily="18" charset="0"/>
+                <a:cs typeface="Times New Roman" panose="02020603050405020304" pitchFamily="18" charset="0"/>
+              </a:rPr>
               <a:t> Network </a:t>
             </a:r>
             <a:r>
-              <a:rPr lang="hu-HU" dirty="0" err="1"/>
+              <a:rPr lang="hu-HU" dirty="0" err="1">
+                <a:latin typeface="Times New Roman" panose="02020603050405020304" pitchFamily="18" charset="0"/>
+                <a:cs typeface="Times New Roman" panose="02020603050405020304" pitchFamily="18" charset="0"/>
+              </a:rPr>
               <a:t>Associate</a:t>
             </a:r>
             <a:r>
-              <a:rPr lang="hu-HU" dirty="0"/>
+              <a:rPr lang="hu-HU" dirty="0">
+                <a:latin typeface="Times New Roman" panose="02020603050405020304" pitchFamily="18" charset="0"/>
+                <a:cs typeface="Times New Roman" panose="02020603050405020304" pitchFamily="18" charset="0"/>
+              </a:rPr>
               <a:t> (CCNA) tanúsítvány igazolja, hogy a tulajdonosa ismeri az alapvető technológiákat, és garantálja, hogy a következő generációs technológiák elfogadásához szükséges kompetenciákkal kapcsolatban továbbra is naprakész tud maradni. A CCNA tanúsítvány a piac sokféle munkahelyére felkészít. A </a:t>
             </a:r>
             <a:r>
               <a:rPr lang="hu-HU" dirty="0">
+                <a:latin typeface="Times New Roman" panose="02020603050405020304" pitchFamily="18" charset="0"/>
+                <a:cs typeface="Times New Roman" panose="02020603050405020304" pitchFamily="18" charset="0"/>
                 <a:hlinkClick r:id="rId2"/>
               </a:rPr>
               <a:t>www.netacad.com</a:t>
             </a:r>
             <a:r>
-              <a:rPr lang="hu-HU" dirty="0"/>
+              <a:rPr lang="hu-HU" dirty="0">
+                <a:latin typeface="Times New Roman" panose="02020603050405020304" pitchFamily="18" charset="0"/>
+                <a:cs typeface="Times New Roman" panose="02020603050405020304" pitchFamily="18" charset="0"/>
+              </a:rPr>
               <a:t> oldalon kattintsunk a </a:t>
             </a:r>
             <a:r>
-              <a:rPr lang="hu-HU" dirty="0" err="1"/>
+              <a:rPr lang="hu-HU" dirty="0" err="1">
+                <a:latin typeface="Times New Roman" panose="02020603050405020304" pitchFamily="18" charset="0"/>
+                <a:cs typeface="Times New Roman" panose="02020603050405020304" pitchFamily="18" charset="0"/>
+              </a:rPr>
               <a:t>Carreers</a:t>
             </a:r>
             <a:r>
-              <a:rPr lang="hu-HU" dirty="0"/>
+              <a:rPr lang="hu-HU" dirty="0">
+                <a:latin typeface="Times New Roman" panose="02020603050405020304" pitchFamily="18" charset="0"/>
+                <a:cs typeface="Times New Roman" panose="02020603050405020304" pitchFamily="18" charset="0"/>
+              </a:rPr>
               <a:t> menüre, majd ott az </a:t>
             </a:r>
             <a:r>
-              <a:rPr lang="hu-HU" dirty="0" err="1"/>
+              <a:rPr lang="hu-HU" dirty="0" err="1">
+                <a:latin typeface="Times New Roman" panose="02020603050405020304" pitchFamily="18" charset="0"/>
+                <a:cs typeface="Times New Roman" panose="02020603050405020304" pitchFamily="18" charset="0"/>
+              </a:rPr>
               <a:t>Employment</a:t>
             </a:r>
             <a:r>
-              <a:rPr lang="hu-HU" dirty="0"/>
+              <a:rPr lang="hu-HU" dirty="0">
+                <a:latin typeface="Times New Roman" panose="02020603050405020304" pitchFamily="18" charset="0"/>
+                <a:cs typeface="Times New Roman" panose="02020603050405020304" pitchFamily="18" charset="0"/>
+              </a:rPr>
               <a:t> </a:t>
             </a:r>
             <a:r>
-              <a:rPr lang="hu-HU" dirty="0" err="1"/>
+              <a:rPr lang="hu-HU" dirty="0" err="1">
+                <a:latin typeface="Times New Roman" panose="02020603050405020304" pitchFamily="18" charset="0"/>
+                <a:cs typeface="Times New Roman" panose="02020603050405020304" pitchFamily="18" charset="0"/>
+              </a:rPr>
               <a:t>opportunities</a:t>
             </a:r>
             <a:r>
-              <a:rPr lang="hu-HU" dirty="0"/>
+              <a:rPr lang="hu-HU" dirty="0">
+                <a:latin typeface="Times New Roman" panose="02020603050405020304" pitchFamily="18" charset="0"/>
+                <a:cs typeface="Times New Roman" panose="02020603050405020304" pitchFamily="18" charset="0"/>
+              </a:rPr>
               <a:t> lehetőségre. A </a:t>
             </a:r>
             <a:r>
-              <a:rPr lang="hu-HU" dirty="0" err="1"/>
+              <a:rPr lang="hu-HU" dirty="0" err="1">
+                <a:latin typeface="Times New Roman" panose="02020603050405020304" pitchFamily="18" charset="0"/>
+                <a:cs typeface="Times New Roman" panose="02020603050405020304" pitchFamily="18" charset="0"/>
+              </a:rPr>
               <a:t>Talent</a:t>
             </a:r>
             <a:r>
-              <a:rPr lang="hu-HU" dirty="0"/>
+              <a:rPr lang="hu-HU" dirty="0">
+                <a:latin typeface="Times New Roman" panose="02020603050405020304" pitchFamily="18" charset="0"/>
+                <a:cs typeface="Times New Roman" panose="02020603050405020304" pitchFamily="18" charset="0"/>
+              </a:rPr>
               <a:t> </a:t>
             </a:r>
             <a:r>
-              <a:rPr lang="hu-HU" dirty="0" err="1"/>
+              <a:rPr lang="hu-HU" dirty="0" err="1">
+                <a:latin typeface="Times New Roman" panose="02020603050405020304" pitchFamily="18" charset="0"/>
+                <a:cs typeface="Times New Roman" panose="02020603050405020304" pitchFamily="18" charset="0"/>
+              </a:rPr>
               <a:t>Bridge</a:t>
             </a:r>
             <a:r>
-              <a:rPr lang="hu-HU" dirty="0"/>
+              <a:rPr lang="hu-HU" dirty="0">
+                <a:latin typeface="Times New Roman" panose="02020603050405020304" pitchFamily="18" charset="0"/>
+                <a:cs typeface="Times New Roman" panose="02020603050405020304" pitchFamily="18" charset="0"/>
+              </a:rPr>
               <a:t> Matching </a:t>
             </a:r>
             <a:r>
-              <a:rPr lang="hu-HU" dirty="0" err="1"/>
+              <a:rPr lang="hu-HU" dirty="0" err="1">
+                <a:latin typeface="Times New Roman" panose="02020603050405020304" pitchFamily="18" charset="0"/>
+                <a:cs typeface="Times New Roman" panose="02020603050405020304" pitchFamily="18" charset="0"/>
+              </a:rPr>
               <a:t>Engine</a:t>
             </a:r>
             <a:r>
-              <a:rPr lang="hu-HU" dirty="0"/>
+              <a:rPr lang="hu-HU" dirty="0">
+                <a:latin typeface="Times New Roman" panose="02020603050405020304" pitchFamily="18" charset="0"/>
+                <a:cs typeface="Times New Roman" panose="02020603050405020304" pitchFamily="18" charset="0"/>
+              </a:rPr>
               <a:t> segítségével lakhelyünkön is találhatunk munkalehetőségeket. Kereshetünk állást a Cisco-</a:t>
             </a:r>
             <a:r>
-              <a:rPr lang="hu-HU" dirty="0" err="1"/>
+              <a:rPr lang="hu-HU" dirty="0" err="1">
+                <a:latin typeface="Times New Roman" panose="02020603050405020304" pitchFamily="18" charset="0"/>
+                <a:cs typeface="Times New Roman" panose="02020603050405020304" pitchFamily="18" charset="0"/>
+              </a:rPr>
               <a:t>nál</a:t>
             </a:r>
             <a:r>
-              <a:rPr lang="hu-HU" dirty="0"/>
+              <a:rPr lang="hu-HU" dirty="0">
+                <a:latin typeface="Times New Roman" panose="02020603050405020304" pitchFamily="18" charset="0"/>
+                <a:cs typeface="Times New Roman" panose="02020603050405020304" pitchFamily="18" charset="0"/>
+              </a:rPr>
               <a:t>, valamint a Cisco partnereknél és forgalmazóknál, akik folyamatosan keresik a Cisco Hálózati Akadémia hallgatóit és már végzett diákjait.</a:t>
             </a:r>
-            <a:endParaRPr lang="hu-HU" dirty="0">
-              <a:latin typeface="Times New Roman" panose="02020603050405020304" pitchFamily="18" charset="0"/>
-              <a:cs typeface="Times New Roman" panose="02020603050405020304" pitchFamily="18" charset="0"/>
-            </a:endParaRPr>
           </a:p>
         </p:txBody>
       </p:sp>
@@ -4789,7 +4849,12 @@
             <p:ph type="title"/>
           </p:nvPr>
         </p:nvSpPr>
-        <p:spPr/>
+        <p:spPr>
+          <a:xfrm>
+            <a:off x="2231136" y="595415"/>
+            <a:ext cx="7729728" cy="1188720"/>
+          </a:xfrm>
+        </p:spPr>
         <p:txBody>
           <a:bodyPr/>
           <a:lstStyle/>
@@ -4837,25 +4902,37 @@
               <a:buNone/>
             </a:pPr>
             <a:r>
-              <a:rPr lang="hu-HU" dirty="0"/>
+              <a:rPr lang="hu-HU" dirty="0">
+                <a:latin typeface="Times New Roman" panose="02020603050405020304" pitchFamily="18" charset="0"/>
+                <a:cs typeface="Times New Roman" panose="02020603050405020304" pitchFamily="18" charset="0"/>
+              </a:rPr>
               <a:t>A hálózati eszközök operációs rendszere hasonló a számítógépekéhez. A számítógépek grafikus felhasználói felületén keresztül a következőkre lehet képes a felhasználó:</a:t>
             </a:r>
           </a:p>
           <a:p>
             <a:r>
-              <a:rPr lang="hu-HU" dirty="0"/>
+              <a:rPr lang="hu-HU" dirty="0">
+                <a:latin typeface="Times New Roman" panose="02020603050405020304" pitchFamily="18" charset="0"/>
+                <a:cs typeface="Times New Roman" panose="02020603050405020304" pitchFamily="18" charset="0"/>
+              </a:rPr>
               <a:t>Kiválaszthat elemeket, és programokat futtathat egér segítségével.</a:t>
             </a:r>
           </a:p>
           <a:p>
             <a:r>
-              <a:rPr lang="hu-HU" dirty="0"/>
+              <a:rPr lang="hu-HU" dirty="0">
+                <a:latin typeface="Times New Roman" panose="02020603050405020304" pitchFamily="18" charset="0"/>
+                <a:cs typeface="Times New Roman" panose="02020603050405020304" pitchFamily="18" charset="0"/>
+              </a:rPr>
               <a:t>Szöveget vagy szöveges parancsokat írhat be.</a:t>
             </a:r>
           </a:p>
           <a:p>
             <a:r>
-              <a:rPr lang="hu-HU" dirty="0"/>
+              <a:rPr lang="hu-HU" dirty="0">
+                <a:latin typeface="Times New Roman" panose="02020603050405020304" pitchFamily="18" charset="0"/>
+                <a:cs typeface="Times New Roman" panose="02020603050405020304" pitchFamily="18" charset="0"/>
+              </a:rPr>
               <a:t>Monitoron nézheti a műveletek eredményét.</a:t>
             </a:r>
           </a:p>
@@ -4864,33 +4941,78 @@
               <a:buNone/>
             </a:pPr>
             <a:r>
-              <a:rPr lang="hu-HU" dirty="0"/>
+              <a:rPr lang="hu-HU" dirty="0">
+                <a:latin typeface="Times New Roman" panose="02020603050405020304" pitchFamily="18" charset="0"/>
+                <a:cs typeface="Times New Roman" panose="02020603050405020304" pitchFamily="18" charset="0"/>
+              </a:rPr>
               <a:t>Egy parancssor alapú hálózati operációs rendszer a következőket teszi lehetővé a hálózati szakember számára:</a:t>
             </a:r>
           </a:p>
           <a:p>
             <a:r>
-              <a:rPr lang="hu-HU" dirty="0"/>
+              <a:rPr lang="hu-HU" dirty="0">
+                <a:latin typeface="Times New Roman" panose="02020603050405020304" pitchFamily="18" charset="0"/>
+                <a:cs typeface="Times New Roman" panose="02020603050405020304" pitchFamily="18" charset="0"/>
+              </a:rPr>
               <a:t>Billentyűzettel parancssor alapú hálózati programokat futtathat.</a:t>
             </a:r>
           </a:p>
           <a:p>
             <a:r>
-              <a:rPr lang="hu-HU" dirty="0"/>
+              <a:rPr lang="hu-HU" dirty="0">
+                <a:latin typeface="Times New Roman" panose="02020603050405020304" pitchFamily="18" charset="0"/>
+                <a:cs typeface="Times New Roman" panose="02020603050405020304" pitchFamily="18" charset="0"/>
+              </a:rPr>
               <a:t>Szöveget vagy szöveges parancsokat írhat be.</a:t>
             </a:r>
           </a:p>
           <a:p>
             <a:r>
-              <a:rPr lang="hu-HU" dirty="0"/>
+              <a:rPr lang="hu-HU" dirty="0">
+                <a:latin typeface="Times New Roman" panose="02020603050405020304" pitchFamily="18" charset="0"/>
+                <a:cs typeface="Times New Roman" panose="02020603050405020304" pitchFamily="18" charset="0"/>
+              </a:rPr>
               <a:t>Monitoron nézheti a műveletek eredményét.</a:t>
             </a:r>
           </a:p>
           <a:p>
-            <a:endParaRPr lang="hu-HU" dirty="0"/>
-          </a:p>
-        </p:txBody>
-      </p:sp>
+            <a:endParaRPr lang="hu-HU" dirty="0">
+              <a:latin typeface="Times New Roman" panose="02020603050405020304" pitchFamily="18" charset="0"/>
+              <a:cs typeface="Times New Roman" panose="02020603050405020304" pitchFamily="18" charset="0"/>
+            </a:endParaRPr>
+          </a:p>
+        </p:txBody>
+      </p:sp>
+      <p:pic>
+        <p:nvPicPr>
+          <p:cNvPr id="4" name="Kép 3">
+            <a:extLst>
+              <a:ext uri="{FF2B5EF4-FFF2-40B4-BE49-F238E27FC236}">
+                <a16:creationId xmlns:a16="http://schemas.microsoft.com/office/drawing/2014/main" id="{DAF9B78E-436F-44C1-8D1E-C7B7C481F408}"/>
+              </a:ext>
+            </a:extLst>
+          </p:cNvPr>
+          <p:cNvPicPr>
+            <a:picLocks noChangeAspect="1"/>
+          </p:cNvPicPr>
+          <p:nvPr/>
+        </p:nvPicPr>
+        <p:blipFill>
+          <a:blip r:embed="rId2"/>
+          <a:stretch>
+            <a:fillRect/>
+          </a:stretch>
+        </p:blipFill>
+        <p:spPr>
+          <a:xfrm>
+            <a:off x="6954715" y="4754436"/>
+            <a:ext cx="4519246" cy="1742716"/>
+          </a:xfrm>
+          <a:prstGeom prst="rect">
+            <a:avLst/>
+          </a:prstGeom>
+        </p:spPr>
+      </p:pic>
     </p:spTree>
     <p:extLst>
       <p:ext uri="{BB962C8B-B14F-4D97-AF65-F5344CB8AC3E}">
@@ -4937,12 +5059,24 @@
             <p:ph type="title"/>
           </p:nvPr>
         </p:nvSpPr>
-        <p:spPr/>
+        <p:spPr>
+          <a:xfrm>
+            <a:off x="2231136" y="484780"/>
+            <a:ext cx="7729728" cy="1188720"/>
+          </a:xfrm>
+        </p:spPr>
         <p:txBody>
           <a:bodyPr/>
           <a:lstStyle/>
           <a:p>
-            <a:endParaRPr lang="hu-HU"/>
+            <a:r>
+              <a:rPr lang="hu-HU" dirty="0"/>
+              <a:t>Navigáció az IOS-módok között</a:t>
+            </a:r>
+            <a:br>
+              <a:rPr lang="hu-HU" dirty="0"/>
+            </a:br>
+            <a:endParaRPr lang="hu-HU" dirty="0"/>
           </a:p>
         </p:txBody>
       </p:sp>
@@ -4962,19 +5096,645 @@
             <p:ph idx="1"/>
           </p:nvPr>
         </p:nvSpPr>
-        <p:spPr/>
-        <p:txBody>
-          <a:bodyPr/>
-          <a:lstStyle/>
-          <a:p>
-            <a:endParaRPr lang="hu-HU"/>
-          </a:p>
-        </p:txBody>
-      </p:sp>
+        <p:spPr>
+          <a:xfrm>
+            <a:off x="0" y="2153412"/>
+            <a:ext cx="7297615" cy="4546326"/>
+          </a:xfrm>
+        </p:spPr>
+        <p:txBody>
+          <a:bodyPr>
+            <a:normAutofit/>
+          </a:bodyPr>
+          <a:lstStyle/>
+          <a:p>
+            <a:r>
+              <a:rPr lang="hu-HU" dirty="0">
+                <a:latin typeface="Times New Roman" panose="02020603050405020304" pitchFamily="18" charset="0"/>
+                <a:cs typeface="Times New Roman" panose="02020603050405020304" pitchFamily="18" charset="0"/>
+              </a:rPr>
+              <a:t>Többféle parancs szolgál arra, hogy a különböző parancsmódok között ki-be járjunk. A felhasználói EXEC módból az </a:t>
+            </a:r>
+            <a:r>
+              <a:rPr lang="hu-HU" b="1" dirty="0" err="1">
+                <a:latin typeface="Times New Roman" panose="02020603050405020304" pitchFamily="18" charset="0"/>
+                <a:cs typeface="Times New Roman" panose="02020603050405020304" pitchFamily="18" charset="0"/>
+              </a:rPr>
+              <a:t>enable</a:t>
+            </a:r>
+            <a:r>
+              <a:rPr lang="hu-HU" dirty="0">
+                <a:latin typeface="Times New Roman" panose="02020603050405020304" pitchFamily="18" charset="0"/>
+                <a:cs typeface="Times New Roman" panose="02020603050405020304" pitchFamily="18" charset="0"/>
+              </a:rPr>
+              <a:t> paranccsal lehet privilegizált EXEC módba lépni. A </a:t>
+            </a:r>
+            <a:r>
+              <a:rPr lang="hu-HU" b="1" dirty="0" err="1">
+                <a:latin typeface="Times New Roman" panose="02020603050405020304" pitchFamily="18" charset="0"/>
+                <a:cs typeface="Times New Roman" panose="02020603050405020304" pitchFamily="18" charset="0"/>
+              </a:rPr>
+              <a:t>disable</a:t>
+            </a:r>
+            <a:r>
+              <a:rPr lang="hu-HU" dirty="0">
+                <a:latin typeface="Times New Roman" panose="02020603050405020304" pitchFamily="18" charset="0"/>
+                <a:cs typeface="Times New Roman" panose="02020603050405020304" pitchFamily="18" charset="0"/>
+              </a:rPr>
+              <a:t> paranccsal pedig visszajutunk a felhasználói EXEC módba.</a:t>
+            </a:r>
+          </a:p>
+          <a:p>
+            <a:r>
+              <a:rPr lang="hu-HU" dirty="0">
+                <a:latin typeface="Times New Roman" panose="02020603050405020304" pitchFamily="18" charset="0"/>
+                <a:cs typeface="Times New Roman" panose="02020603050405020304" pitchFamily="18" charset="0"/>
+              </a:rPr>
+              <a:t>Globális konfigurációs módba lépéshez használjuk a </a:t>
+            </a:r>
+            <a:r>
+              <a:rPr lang="hu-HU" b="1" dirty="0" err="1">
+                <a:latin typeface="Times New Roman" panose="02020603050405020304" pitchFamily="18" charset="0"/>
+                <a:cs typeface="Times New Roman" panose="02020603050405020304" pitchFamily="18" charset="0"/>
+              </a:rPr>
+              <a:t>configure</a:t>
+            </a:r>
+            <a:r>
+              <a:rPr lang="hu-HU" b="1" dirty="0">
+                <a:latin typeface="Times New Roman" panose="02020603050405020304" pitchFamily="18" charset="0"/>
+                <a:cs typeface="Times New Roman" panose="02020603050405020304" pitchFamily="18" charset="0"/>
+              </a:rPr>
+              <a:t> </a:t>
+            </a:r>
+            <a:r>
+              <a:rPr lang="hu-HU" b="1" dirty="0" err="1">
+                <a:latin typeface="Times New Roman" panose="02020603050405020304" pitchFamily="18" charset="0"/>
+                <a:cs typeface="Times New Roman" panose="02020603050405020304" pitchFamily="18" charset="0"/>
+              </a:rPr>
+              <a:t>terminal</a:t>
+            </a:r>
+            <a:r>
+              <a:rPr lang="hu-HU" dirty="0">
+                <a:latin typeface="Times New Roman" panose="02020603050405020304" pitchFamily="18" charset="0"/>
+                <a:cs typeface="Times New Roman" panose="02020603050405020304" pitchFamily="18" charset="0"/>
+              </a:rPr>
+              <a:t> privilegizált módú parancsot. Privilegizált módba visszatérés pedig az </a:t>
+            </a:r>
+            <a:r>
+              <a:rPr lang="hu-HU" b="1" dirty="0" err="1">
+                <a:latin typeface="Times New Roman" panose="02020603050405020304" pitchFamily="18" charset="0"/>
+                <a:cs typeface="Times New Roman" panose="02020603050405020304" pitchFamily="18" charset="0"/>
+              </a:rPr>
+              <a:t>exit</a:t>
+            </a:r>
+            <a:r>
+              <a:rPr lang="hu-HU" dirty="0">
+                <a:latin typeface="Times New Roman" panose="02020603050405020304" pitchFamily="18" charset="0"/>
+                <a:cs typeface="Times New Roman" panose="02020603050405020304" pitchFamily="18" charset="0"/>
+              </a:rPr>
+              <a:t> globális </a:t>
+            </a:r>
+            <a:r>
+              <a:rPr lang="hu-HU" dirty="0" err="1">
+                <a:latin typeface="Times New Roman" panose="02020603050405020304" pitchFamily="18" charset="0"/>
+                <a:cs typeface="Times New Roman" panose="02020603050405020304" pitchFamily="18" charset="0"/>
+              </a:rPr>
+              <a:t>konfig</a:t>
+            </a:r>
+            <a:r>
+              <a:rPr lang="hu-HU" dirty="0">
+                <a:latin typeface="Times New Roman" panose="02020603050405020304" pitchFamily="18" charset="0"/>
+                <a:cs typeface="Times New Roman" panose="02020603050405020304" pitchFamily="18" charset="0"/>
+              </a:rPr>
+              <a:t> módú paranccsal lehetséges.</a:t>
+            </a:r>
+          </a:p>
+          <a:p>
+            <a:r>
+              <a:rPr lang="hu-HU" dirty="0">
+                <a:latin typeface="Times New Roman" panose="02020603050405020304" pitchFamily="18" charset="0"/>
+                <a:cs typeface="Times New Roman" panose="02020603050405020304" pitchFamily="18" charset="0"/>
+              </a:rPr>
+              <a:t>Ha bármelyik alkonfigurációs módból a privilegizált EXEC módba szeretnénk lépni, megtehetjük az </a:t>
+            </a:r>
+            <a:r>
+              <a:rPr lang="hu-HU" b="1" dirty="0">
+                <a:latin typeface="Times New Roman" panose="02020603050405020304" pitchFamily="18" charset="0"/>
+                <a:cs typeface="Times New Roman" panose="02020603050405020304" pitchFamily="18" charset="0"/>
+              </a:rPr>
+              <a:t>end</a:t>
+            </a:r>
+            <a:r>
+              <a:rPr lang="hu-HU" dirty="0">
+                <a:latin typeface="Times New Roman" panose="02020603050405020304" pitchFamily="18" charset="0"/>
+                <a:cs typeface="Times New Roman" panose="02020603050405020304" pitchFamily="18" charset="0"/>
+              </a:rPr>
+              <a:t> paranccsal vagy a </a:t>
+            </a:r>
+            <a:r>
+              <a:rPr lang="hu-HU" b="1" dirty="0" err="1">
+                <a:latin typeface="Times New Roman" panose="02020603050405020304" pitchFamily="18" charset="0"/>
+                <a:cs typeface="Times New Roman" panose="02020603050405020304" pitchFamily="18" charset="0"/>
+              </a:rPr>
+              <a:t>Ctrl+Z</a:t>
+            </a:r>
+            <a:r>
+              <a:rPr lang="hu-HU" dirty="0">
+                <a:latin typeface="Times New Roman" panose="02020603050405020304" pitchFamily="18" charset="0"/>
+                <a:cs typeface="Times New Roman" panose="02020603050405020304" pitchFamily="18" charset="0"/>
+              </a:rPr>
+              <a:t> billentyűkombinációval.</a:t>
+            </a:r>
+          </a:p>
+          <a:p>
+            <a:r>
+              <a:rPr lang="hu-HU" dirty="0">
+                <a:latin typeface="Times New Roman" panose="02020603050405020304" pitchFamily="18" charset="0"/>
+                <a:cs typeface="Times New Roman" panose="02020603050405020304" pitchFamily="18" charset="0"/>
+              </a:rPr>
+              <a:t>Közvetlenül is átléphetünk az egyik alkonfigurációs módból egy másikba. Figyeljük meg, hogy az interfész kiválasztása után hogyan változik meg a prompt jel: </a:t>
+            </a:r>
+            <a:r>
+              <a:rPr lang="hu-HU" b="1" dirty="0">
+                <a:latin typeface="Times New Roman" panose="02020603050405020304" pitchFamily="18" charset="0"/>
+                <a:cs typeface="Times New Roman" panose="02020603050405020304" pitchFamily="18" charset="0"/>
+              </a:rPr>
+              <a:t>(</a:t>
+            </a:r>
+            <a:r>
+              <a:rPr lang="hu-HU" b="1" dirty="0" err="1">
+                <a:latin typeface="Times New Roman" panose="02020603050405020304" pitchFamily="18" charset="0"/>
+                <a:cs typeface="Times New Roman" panose="02020603050405020304" pitchFamily="18" charset="0"/>
+              </a:rPr>
+              <a:t>config</a:t>
+            </a:r>
+            <a:r>
+              <a:rPr lang="hu-HU" b="1" dirty="0">
+                <a:latin typeface="Times New Roman" panose="02020603050405020304" pitchFamily="18" charset="0"/>
+                <a:cs typeface="Times New Roman" panose="02020603050405020304" pitchFamily="18" charset="0"/>
+              </a:rPr>
+              <a:t>-line)#</a:t>
+            </a:r>
+            <a:r>
+              <a:rPr lang="hu-HU" dirty="0">
+                <a:latin typeface="Times New Roman" panose="02020603050405020304" pitchFamily="18" charset="0"/>
+                <a:cs typeface="Times New Roman" panose="02020603050405020304" pitchFamily="18" charset="0"/>
+              </a:rPr>
+              <a:t> </a:t>
+            </a:r>
+            <a:r>
+              <a:rPr lang="hu-HU" dirty="0" err="1">
+                <a:latin typeface="Times New Roman" panose="02020603050405020304" pitchFamily="18" charset="0"/>
+                <a:cs typeface="Times New Roman" panose="02020603050405020304" pitchFamily="18" charset="0"/>
+              </a:rPr>
+              <a:t>to</a:t>
+            </a:r>
+            <a:r>
+              <a:rPr lang="hu-HU" dirty="0">
+                <a:latin typeface="Times New Roman" panose="02020603050405020304" pitchFamily="18" charset="0"/>
+                <a:cs typeface="Times New Roman" panose="02020603050405020304" pitchFamily="18" charset="0"/>
+              </a:rPr>
+              <a:t> </a:t>
+            </a:r>
+            <a:r>
+              <a:rPr lang="hu-HU" b="1" dirty="0">
+                <a:latin typeface="Times New Roman" panose="02020603050405020304" pitchFamily="18" charset="0"/>
+                <a:cs typeface="Times New Roman" panose="02020603050405020304" pitchFamily="18" charset="0"/>
+              </a:rPr>
+              <a:t>(</a:t>
+            </a:r>
+            <a:r>
+              <a:rPr lang="hu-HU" b="1" dirty="0" err="1">
+                <a:latin typeface="Times New Roman" panose="02020603050405020304" pitchFamily="18" charset="0"/>
+                <a:cs typeface="Times New Roman" panose="02020603050405020304" pitchFamily="18" charset="0"/>
+              </a:rPr>
+              <a:t>config-if</a:t>
+            </a:r>
+            <a:r>
+              <a:rPr lang="hu-HU" b="1" dirty="0">
+                <a:latin typeface="Times New Roman" panose="02020603050405020304" pitchFamily="18" charset="0"/>
+                <a:cs typeface="Times New Roman" panose="02020603050405020304" pitchFamily="18" charset="0"/>
+              </a:rPr>
+              <a:t>)#</a:t>
+            </a:r>
+            <a:r>
+              <a:rPr lang="hu-HU" dirty="0">
+                <a:latin typeface="Times New Roman" panose="02020603050405020304" pitchFamily="18" charset="0"/>
+                <a:cs typeface="Times New Roman" panose="02020603050405020304" pitchFamily="18" charset="0"/>
+              </a:rPr>
+              <a:t>.</a:t>
+            </a:r>
+          </a:p>
+        </p:txBody>
+      </p:sp>
+      <p:pic>
+        <p:nvPicPr>
+          <p:cNvPr id="5" name="Kép 4">
+            <a:extLst>
+              <a:ext uri="{FF2B5EF4-FFF2-40B4-BE49-F238E27FC236}">
+                <a16:creationId xmlns:a16="http://schemas.microsoft.com/office/drawing/2014/main" id="{2E3B73B2-66BD-41A6-875F-5ED1BFE454DA}"/>
+              </a:ext>
+            </a:extLst>
+          </p:cNvPr>
+          <p:cNvPicPr>
+            <a:picLocks noChangeAspect="1"/>
+          </p:cNvPicPr>
+          <p:nvPr/>
+        </p:nvPicPr>
+        <p:blipFill>
+          <a:blip r:embed="rId2"/>
+          <a:stretch>
+            <a:fillRect/>
+          </a:stretch>
+        </p:blipFill>
+        <p:spPr>
+          <a:xfrm>
+            <a:off x="7215287" y="2233108"/>
+            <a:ext cx="4340065" cy="705260"/>
+          </a:xfrm>
+          <a:prstGeom prst="rect">
+            <a:avLst/>
+          </a:prstGeom>
+        </p:spPr>
+      </p:pic>
+      <p:pic>
+        <p:nvPicPr>
+          <p:cNvPr id="6" name="Kép 5">
+            <a:extLst>
+              <a:ext uri="{FF2B5EF4-FFF2-40B4-BE49-F238E27FC236}">
+                <a16:creationId xmlns:a16="http://schemas.microsoft.com/office/drawing/2014/main" id="{FC67F4B6-2EA8-42CA-BD26-B69674EAACFA}"/>
+              </a:ext>
+            </a:extLst>
+          </p:cNvPr>
+          <p:cNvPicPr>
+            <a:picLocks noChangeAspect="1"/>
+          </p:cNvPicPr>
+          <p:nvPr/>
+        </p:nvPicPr>
+        <p:blipFill>
+          <a:blip r:embed="rId3"/>
+          <a:stretch>
+            <a:fillRect/>
+          </a:stretch>
+        </p:blipFill>
+        <p:spPr>
+          <a:xfrm>
+            <a:off x="6559062" y="4351397"/>
+            <a:ext cx="4659922" cy="712693"/>
+          </a:xfrm>
+          <a:prstGeom prst="rect">
+            <a:avLst/>
+          </a:prstGeom>
+        </p:spPr>
+      </p:pic>
+      <p:pic>
+        <p:nvPicPr>
+          <p:cNvPr id="7" name="Kép 6">
+            <a:extLst>
+              <a:ext uri="{FF2B5EF4-FFF2-40B4-BE49-F238E27FC236}">
+                <a16:creationId xmlns:a16="http://schemas.microsoft.com/office/drawing/2014/main" id="{7587EC4C-13A6-4F20-8E87-5B14223CD349}"/>
+              </a:ext>
+            </a:extLst>
+          </p:cNvPr>
+          <p:cNvPicPr>
+            <a:picLocks noChangeAspect="1"/>
+          </p:cNvPicPr>
+          <p:nvPr/>
+        </p:nvPicPr>
+        <p:blipFill>
+          <a:blip r:embed="rId4"/>
+          <a:stretch>
+            <a:fillRect/>
+          </a:stretch>
+        </p:blipFill>
+        <p:spPr>
+          <a:xfrm>
+            <a:off x="4540055" y="5976328"/>
+            <a:ext cx="5029902" cy="447737"/>
+          </a:xfrm>
+          <a:prstGeom prst="rect">
+            <a:avLst/>
+          </a:prstGeom>
+        </p:spPr>
+      </p:pic>
     </p:spTree>
     <p:extLst>
       <p:ext uri="{BB962C8B-B14F-4D97-AF65-F5344CB8AC3E}">
         <p14:creationId xmlns:p14="http://schemas.microsoft.com/office/powerpoint/2010/main" val="998596662"/>
+      </p:ext>
+    </p:extLst>
+  </p:cSld>
+  <p:clrMapOvr>
+    <a:masterClrMapping/>
+  </p:clrMapOvr>
+</p:sld>
+</file>
+
+<file path=ppt/slides/slide19.xml><?xml version="1.0" encoding="utf-8"?>
+<p:sld xmlns:a="http://schemas.openxmlformats.org/drawingml/2006/main" xmlns:r="http://schemas.openxmlformats.org/officeDocument/2006/relationships" xmlns:p="http://schemas.openxmlformats.org/presentationml/2006/main">
+  <p:cSld>
+    <p:spTree>
+      <p:nvGrpSpPr>
+        <p:cNvPr id="1" name=""/>
+        <p:cNvGrpSpPr/>
+        <p:nvPr/>
+      </p:nvGrpSpPr>
+      <p:grpSpPr>
+        <a:xfrm>
+          <a:off x="0" y="0"/>
+          <a:ext cx="0" cy="0"/>
+          <a:chOff x="0" y="0"/>
+          <a:chExt cx="0" cy="0"/>
+        </a:xfrm>
+      </p:grpSpPr>
+      <p:sp>
+        <p:nvSpPr>
+          <p:cNvPr id="2" name="Cím 1">
+            <a:extLst>
+              <a:ext uri="{FF2B5EF4-FFF2-40B4-BE49-F238E27FC236}">
+                <a16:creationId xmlns:a16="http://schemas.microsoft.com/office/drawing/2014/main" id="{A111F18E-E310-43D5-A25F-11703D0AABDF}"/>
+              </a:ext>
+            </a:extLst>
+          </p:cNvPr>
+          <p:cNvSpPr>
+            <a:spLocks noGrp="1"/>
+          </p:cNvSpPr>
+          <p:nvPr>
+            <p:ph type="title"/>
+          </p:nvPr>
+        </p:nvSpPr>
+        <p:spPr>
+          <a:xfrm>
+            <a:off x="2231136" y="340438"/>
+            <a:ext cx="7729728" cy="1188720"/>
+          </a:xfrm>
+        </p:spPr>
+        <p:txBody>
+          <a:bodyPr/>
+          <a:lstStyle/>
+          <a:p>
+            <a:r>
+              <a:rPr lang="hu-HU" dirty="0"/>
+              <a:t>Jelszavak beállítása</a:t>
+            </a:r>
+            <a:br>
+              <a:rPr lang="hu-HU" dirty="0"/>
+            </a:br>
+            <a:endParaRPr lang="hu-HU" dirty="0"/>
+          </a:p>
+        </p:txBody>
+      </p:sp>
+      <p:sp>
+        <p:nvSpPr>
+          <p:cNvPr id="3" name="Tartalom helye 2">
+            <a:extLst>
+              <a:ext uri="{FF2B5EF4-FFF2-40B4-BE49-F238E27FC236}">
+                <a16:creationId xmlns:a16="http://schemas.microsoft.com/office/drawing/2014/main" id="{AB2D0D8B-B287-462A-BAD7-04690028E972}"/>
+              </a:ext>
+            </a:extLst>
+          </p:cNvPr>
+          <p:cNvSpPr>
+            <a:spLocks noGrp="1"/>
+          </p:cNvSpPr>
+          <p:nvPr>
+            <p:ph idx="1"/>
+          </p:nvPr>
+        </p:nvSpPr>
+        <p:spPr>
+          <a:xfrm>
+            <a:off x="0" y="1780952"/>
+            <a:ext cx="7436922" cy="5077048"/>
+          </a:xfrm>
+        </p:spPr>
+        <p:txBody>
+          <a:bodyPr/>
+          <a:lstStyle/>
+          <a:p>
+            <a:r>
+              <a:rPr lang="hu-HU" dirty="0"/>
+              <a:t>A felhasználói EXEC mód biztonságossá tételéhez lépjünk konzolvonal konfigurációs módjába a </a:t>
+            </a:r>
+            <a:r>
+              <a:rPr lang="hu-HU" b="1" dirty="0"/>
+              <a:t>line </a:t>
+            </a:r>
+            <a:r>
+              <a:rPr lang="hu-HU" b="1" dirty="0" err="1"/>
+              <a:t>console</a:t>
+            </a:r>
+            <a:r>
+              <a:rPr lang="hu-HU" b="1" dirty="0"/>
+              <a:t> 0</a:t>
+            </a:r>
+            <a:r>
+              <a:rPr lang="hu-HU" dirty="0"/>
+              <a:t> globális </a:t>
+            </a:r>
+            <a:r>
+              <a:rPr lang="hu-HU" dirty="0" err="1"/>
+              <a:t>konfig</a:t>
+            </a:r>
+            <a:r>
+              <a:rPr lang="hu-HU" dirty="0"/>
+              <a:t> paranccsal, Ezután adjuk meg a felhasználói EXEC mód jelszavát a </a:t>
+            </a:r>
+            <a:r>
+              <a:rPr lang="hu-HU" b="1" dirty="0" err="1"/>
+              <a:t>password</a:t>
+            </a:r>
+            <a:r>
+              <a:rPr lang="hu-HU" dirty="0"/>
+              <a:t> </a:t>
+            </a:r>
+            <a:r>
+              <a:rPr lang="hu-HU" i="1" dirty="0"/>
+              <a:t>jelszó</a:t>
+            </a:r>
+            <a:r>
+              <a:rPr lang="hu-HU" dirty="0"/>
+              <a:t> paranccsal. Végül engedélyezzük a felhasználói EXEC hozzáférést a </a:t>
+            </a:r>
+            <a:r>
+              <a:rPr lang="hu-HU" b="1" dirty="0"/>
+              <a:t>login</a:t>
+            </a:r>
+            <a:r>
+              <a:rPr lang="hu-HU" dirty="0"/>
+              <a:t> paranccsal.</a:t>
+            </a:r>
+          </a:p>
+          <a:p>
+            <a:r>
+              <a:rPr lang="hu-HU" dirty="0"/>
+              <a:t>A privilegizált EXEC mód biztonságának beállításához adjuk ki az </a:t>
+            </a:r>
+            <a:r>
+              <a:rPr lang="hu-HU" b="1" dirty="0" err="1"/>
+              <a:t>enable</a:t>
+            </a:r>
+            <a:r>
+              <a:rPr lang="hu-HU" b="1" dirty="0"/>
+              <a:t> </a:t>
+            </a:r>
+            <a:r>
+              <a:rPr lang="hu-HU" b="1" dirty="0" err="1"/>
+              <a:t>secret</a:t>
+            </a:r>
+            <a:r>
+              <a:rPr lang="hu-HU" dirty="0"/>
+              <a:t> </a:t>
+            </a:r>
+            <a:r>
+              <a:rPr lang="hu-HU" i="1" dirty="0"/>
+              <a:t>jelszó</a:t>
+            </a:r>
+            <a:r>
+              <a:rPr lang="hu-HU" dirty="0"/>
+              <a:t> globális konfigurációs parancsot, az ábrán látható módon.</a:t>
+            </a:r>
+          </a:p>
+          <a:p>
+            <a:r>
+              <a:rPr lang="hu-HU" dirty="0"/>
+              <a:t>A VTY-vonalak biztonságossá tételéhez lépjünk VTY-vonali módba a </a:t>
+            </a:r>
+            <a:r>
+              <a:rPr lang="hu-HU" b="1" dirty="0"/>
+              <a:t>line </a:t>
+            </a:r>
+            <a:r>
+              <a:rPr lang="hu-HU" b="1" dirty="0" err="1"/>
+              <a:t>vty</a:t>
+            </a:r>
+            <a:r>
+              <a:rPr lang="hu-HU" b="1" dirty="0"/>
+              <a:t> 0 15</a:t>
+            </a:r>
+            <a:r>
+              <a:rPr lang="hu-HU" dirty="0"/>
+              <a:t> globális konfigurációs paranccsal. Ezután pedig adjuk meg a VTY-jelszót a </a:t>
+            </a:r>
+            <a:r>
+              <a:rPr lang="hu-HU" b="1" dirty="0" err="1"/>
+              <a:t>password</a:t>
+            </a:r>
+            <a:r>
+              <a:rPr lang="hu-HU" dirty="0"/>
+              <a:t> </a:t>
+            </a:r>
+            <a:r>
+              <a:rPr lang="hu-HU" i="1" dirty="0"/>
+              <a:t>jelszó</a:t>
+            </a:r>
+            <a:r>
+              <a:rPr lang="hu-HU" dirty="0"/>
+              <a:t> parancs segítségével. Végül engedélyezzük a VTY-hozzáférést a </a:t>
+            </a:r>
+            <a:r>
+              <a:rPr lang="hu-HU" b="1" dirty="0"/>
+              <a:t>login</a:t>
+            </a:r>
+            <a:r>
+              <a:rPr lang="hu-HU" dirty="0"/>
+              <a:t> paranccsal.</a:t>
+            </a:r>
+          </a:p>
+        </p:txBody>
+      </p:sp>
+      <p:pic>
+        <p:nvPicPr>
+          <p:cNvPr id="4" name="Kép 3">
+            <a:extLst>
+              <a:ext uri="{FF2B5EF4-FFF2-40B4-BE49-F238E27FC236}">
+                <a16:creationId xmlns:a16="http://schemas.microsoft.com/office/drawing/2014/main" id="{C1214D6F-96BB-4FF4-93E7-74F20111AC67}"/>
+              </a:ext>
+            </a:extLst>
+          </p:cNvPr>
+          <p:cNvPicPr>
+            <a:picLocks noChangeAspect="1"/>
+          </p:cNvPicPr>
+          <p:nvPr/>
+        </p:nvPicPr>
+        <p:blipFill>
+          <a:blip r:embed="rId2"/>
+          <a:stretch>
+            <a:fillRect/>
+          </a:stretch>
+        </p:blipFill>
+        <p:spPr>
+          <a:xfrm>
+            <a:off x="7546460" y="1780952"/>
+            <a:ext cx="4331948" cy="1284720"/>
+          </a:xfrm>
+          <a:prstGeom prst="rect">
+            <a:avLst/>
+          </a:prstGeom>
+        </p:spPr>
+      </p:pic>
+      <p:pic>
+        <p:nvPicPr>
+          <p:cNvPr id="5" name="Kép 4">
+            <a:extLst>
+              <a:ext uri="{FF2B5EF4-FFF2-40B4-BE49-F238E27FC236}">
+                <a16:creationId xmlns:a16="http://schemas.microsoft.com/office/drawing/2014/main" id="{38EAA7CD-56B6-43CA-8C39-328833CE8F51}"/>
+              </a:ext>
+            </a:extLst>
+          </p:cNvPr>
+          <p:cNvPicPr>
+            <a:picLocks noChangeAspect="1"/>
+          </p:cNvPicPr>
+          <p:nvPr/>
+        </p:nvPicPr>
+        <p:blipFill>
+          <a:blip r:embed="rId3"/>
+          <a:stretch>
+            <a:fillRect/>
+          </a:stretch>
+        </p:blipFill>
+        <p:spPr>
+          <a:xfrm>
+            <a:off x="7546460" y="3065672"/>
+            <a:ext cx="3019846" cy="828791"/>
+          </a:xfrm>
+          <a:prstGeom prst="rect">
+            <a:avLst/>
+          </a:prstGeom>
+        </p:spPr>
+      </p:pic>
+      <p:pic>
+        <p:nvPicPr>
+          <p:cNvPr id="6" name="Kép 5">
+            <a:extLst>
+              <a:ext uri="{FF2B5EF4-FFF2-40B4-BE49-F238E27FC236}">
+                <a16:creationId xmlns:a16="http://schemas.microsoft.com/office/drawing/2014/main" id="{7B5806AD-CA16-4EF9-B021-7ACDF403F5F4}"/>
+              </a:ext>
+            </a:extLst>
+          </p:cNvPr>
+          <p:cNvPicPr>
+            <a:picLocks noChangeAspect="1"/>
+          </p:cNvPicPr>
+          <p:nvPr/>
+        </p:nvPicPr>
+        <p:blipFill>
+          <a:blip r:embed="rId4"/>
+          <a:stretch>
+            <a:fillRect/>
+          </a:stretch>
+        </p:blipFill>
+        <p:spPr>
+          <a:xfrm>
+            <a:off x="7546460" y="3894463"/>
+            <a:ext cx="3724795" cy="1181265"/>
+          </a:xfrm>
+          <a:prstGeom prst="rect">
+            <a:avLst/>
+          </a:prstGeom>
+        </p:spPr>
+      </p:pic>
+    </p:spTree>
+    <p:extLst>
+      <p:ext uri="{BB962C8B-B14F-4D97-AF65-F5344CB8AC3E}">
+        <p14:creationId xmlns:p14="http://schemas.microsoft.com/office/powerpoint/2010/main" val="729978329"/>
       </p:ext>
     </p:extLst>
   </p:cSld>
@@ -5104,6 +5864,227 @@
   <p:transition spd="slow">
     <p:push/>
   </p:transition>
+</p:sld>
+</file>
+
+<file path=ppt/slides/slide20.xml><?xml version="1.0" encoding="utf-8"?>
+<p:sld xmlns:a="http://schemas.openxmlformats.org/drawingml/2006/main" xmlns:r="http://schemas.openxmlformats.org/officeDocument/2006/relationships" xmlns:p="http://schemas.openxmlformats.org/presentationml/2006/main">
+  <p:cSld>
+    <p:spTree>
+      <p:nvGrpSpPr>
+        <p:cNvPr id="1" name=""/>
+        <p:cNvGrpSpPr/>
+        <p:nvPr/>
+      </p:nvGrpSpPr>
+      <p:grpSpPr>
+        <a:xfrm>
+          <a:off x="0" y="0"/>
+          <a:ext cx="0" cy="0"/>
+          <a:chOff x="0" y="0"/>
+          <a:chExt cx="0" cy="0"/>
+        </a:xfrm>
+      </p:grpSpPr>
+      <p:sp>
+        <p:nvSpPr>
+          <p:cNvPr id="2" name="Cím 1">
+            <a:extLst>
+              <a:ext uri="{FF2B5EF4-FFF2-40B4-BE49-F238E27FC236}">
+                <a16:creationId xmlns:a16="http://schemas.microsoft.com/office/drawing/2014/main" id="{F0EC964E-17AC-452D-A36A-BF5BC729B3A9}"/>
+              </a:ext>
+            </a:extLst>
+          </p:cNvPr>
+          <p:cNvSpPr>
+            <a:spLocks noGrp="1"/>
+          </p:cNvSpPr>
+          <p:nvPr>
+            <p:ph type="title"/>
+          </p:nvPr>
+        </p:nvSpPr>
+        <p:spPr>
+          <a:xfrm>
+            <a:off x="2231136" y="303484"/>
+            <a:ext cx="7729728" cy="1188720"/>
+          </a:xfrm>
+        </p:spPr>
+        <p:txBody>
+          <a:bodyPr/>
+          <a:lstStyle/>
+          <a:p>
+            <a:r>
+              <a:rPr lang="hu-HU" dirty="0"/>
+              <a:t>Manuális IP-cím konfiguráció</a:t>
+            </a:r>
+            <a:br>
+              <a:rPr lang="hu-HU" dirty="0"/>
+            </a:br>
+            <a:endParaRPr lang="hu-HU" dirty="0"/>
+          </a:p>
+        </p:txBody>
+      </p:sp>
+      <p:sp>
+        <p:nvSpPr>
+          <p:cNvPr id="3" name="Tartalom helye 2">
+            <a:extLst>
+              <a:ext uri="{FF2B5EF4-FFF2-40B4-BE49-F238E27FC236}">
+                <a16:creationId xmlns:a16="http://schemas.microsoft.com/office/drawing/2014/main" id="{E73A50EE-B83B-4BF7-8384-F218B8599EAA}"/>
+              </a:ext>
+            </a:extLst>
+          </p:cNvPr>
+          <p:cNvSpPr>
+            <a:spLocks noGrp="1"/>
+          </p:cNvSpPr>
+          <p:nvPr>
+            <p:ph idx="1"/>
+          </p:nvPr>
+        </p:nvSpPr>
+        <p:spPr>
+          <a:xfrm>
+            <a:off x="-72448" y="2153412"/>
+            <a:ext cx="7141463" cy="4053957"/>
+          </a:xfrm>
+        </p:spPr>
+        <p:txBody>
+          <a:bodyPr/>
+          <a:lstStyle/>
+          <a:p>
+            <a:r>
+              <a:rPr lang="hu-HU" dirty="0"/>
+              <a:t>Az IPv4-címeket megadhatjuk manuálisan az eszközön, vagy kaphatja automatikusan a </a:t>
+            </a:r>
+            <a:r>
+              <a:rPr lang="hu-HU" dirty="0" err="1"/>
+              <a:t>Dynamic</a:t>
+            </a:r>
+            <a:r>
+              <a:rPr lang="hu-HU" dirty="0"/>
+              <a:t> </a:t>
+            </a:r>
+            <a:r>
+              <a:rPr lang="hu-HU" dirty="0" err="1"/>
+              <a:t>Host</a:t>
+            </a:r>
+            <a:r>
+              <a:rPr lang="hu-HU" dirty="0"/>
+              <a:t> </a:t>
+            </a:r>
+            <a:r>
+              <a:rPr lang="hu-HU" dirty="0" err="1"/>
+              <a:t>Configuration</a:t>
+            </a:r>
+            <a:r>
+              <a:rPr lang="hu-HU" dirty="0"/>
+              <a:t> </a:t>
+            </a:r>
+            <a:r>
+              <a:rPr lang="hu-HU" dirty="0" err="1"/>
+              <a:t>Protocol</a:t>
+            </a:r>
+            <a:r>
+              <a:rPr lang="hu-HU" dirty="0"/>
+              <a:t> (DHCP) segítségével.</a:t>
+            </a:r>
+          </a:p>
+        </p:txBody>
+      </p:sp>
+      <p:sp>
+        <p:nvSpPr>
+          <p:cNvPr id="4" name="Szövegdoboz 3">
+            <a:extLst>
+              <a:ext uri="{FF2B5EF4-FFF2-40B4-BE49-F238E27FC236}">
+                <a16:creationId xmlns:a16="http://schemas.microsoft.com/office/drawing/2014/main" id="{CA15DC5C-2B5D-46D6-B2EA-59BCB5400BA5}"/>
+              </a:ext>
+            </a:extLst>
+          </p:cNvPr>
+          <p:cNvSpPr txBox="1"/>
+          <p:nvPr/>
+        </p:nvSpPr>
+        <p:spPr>
+          <a:xfrm>
+            <a:off x="122036" y="3103684"/>
+            <a:ext cx="6752493" cy="1754326"/>
+          </a:xfrm>
+          <a:prstGeom prst="rect">
+            <a:avLst/>
+          </a:prstGeom>
+          <a:noFill/>
+        </p:spPr>
+        <p:txBody>
+          <a:bodyPr wrap="square" rtlCol="0">
+            <a:spAutoFit/>
+          </a:bodyPr>
+          <a:lstStyle/>
+          <a:p>
+            <a:r>
+              <a:rPr lang="hu-HU" dirty="0"/>
+              <a:t>Windows operációs rendszert futtató állomáson az IPv4-címet a </a:t>
+            </a:r>
+            <a:r>
+              <a:rPr lang="hu-HU" b="1" dirty="0"/>
+              <a:t>Vezérlőpult &gt; Hálózati és megosztási központ &gt; Adapterbeállítások módosítása</a:t>
+            </a:r>
+            <a:r>
+              <a:rPr lang="hu-HU" dirty="0"/>
+              <a:t> lehetőség alatt, az adapter kiválasztása után tudjuk beállítani. Ezután kattintsunk a jobb gombbal, és válasszuk a </a:t>
+            </a:r>
+            <a:r>
+              <a:rPr lang="hu-HU" b="1" dirty="0"/>
+              <a:t>Tulajdonságok</a:t>
+            </a:r>
+            <a:r>
+              <a:rPr lang="hu-HU" dirty="0"/>
+              <a:t> menüpontot a </a:t>
+            </a:r>
+            <a:r>
+              <a:rPr lang="hu-HU" b="1" dirty="0"/>
+              <a:t>Helyi hálózati adapter tulajdonságai</a:t>
+            </a:r>
+            <a:r>
+              <a:rPr lang="hu-HU" dirty="0"/>
+              <a:t> megnyitásához, ahogy az ábrán is látható.</a:t>
+            </a:r>
+          </a:p>
+        </p:txBody>
+      </p:sp>
+      <p:pic>
+        <p:nvPicPr>
+          <p:cNvPr id="5" name="Kép 4">
+            <a:extLst>
+              <a:ext uri="{FF2B5EF4-FFF2-40B4-BE49-F238E27FC236}">
+                <a16:creationId xmlns:a16="http://schemas.microsoft.com/office/drawing/2014/main" id="{5C50EC60-6C9B-4328-8B09-14BB6E1E3A4C}"/>
+              </a:ext>
+            </a:extLst>
+          </p:cNvPr>
+          <p:cNvPicPr>
+            <a:picLocks noChangeAspect="1"/>
+          </p:cNvPicPr>
+          <p:nvPr/>
+        </p:nvPicPr>
+        <p:blipFill>
+          <a:blip r:embed="rId2"/>
+          <a:stretch>
+            <a:fillRect/>
+          </a:stretch>
+        </p:blipFill>
+        <p:spPr>
+          <a:xfrm>
+            <a:off x="6739067" y="2247203"/>
+            <a:ext cx="3143487" cy="4088300"/>
+          </a:xfrm>
+          <a:prstGeom prst="rect">
+            <a:avLst/>
+          </a:prstGeom>
+        </p:spPr>
+      </p:pic>
+    </p:spTree>
+    <p:extLst>
+      <p:ext uri="{BB962C8B-B14F-4D97-AF65-F5344CB8AC3E}">
+        <p14:creationId xmlns:p14="http://schemas.microsoft.com/office/powerpoint/2010/main" val="3995062800"/>
+      </p:ext>
+    </p:extLst>
+  </p:cSld>
+  <p:clrMapOvr>
+    <a:masterClrMapping/>
+  </p:clrMapOvr>
 </p:sld>
 </file>
 
